--- a/CBS/CBS_ChristieGardens_Ad.pptx
+++ b/CBS/CBS_ChristieGardens_Ad.pptx
@@ -334,7 +334,7 @@
           <a:p>
             <a:fld id="{500A730B-B533-D94D-9B11-FB1E0D62FD7F}" type="datetimeFigureOut">
               <a:rPr lang="en-US" smtClean="0"/>
-              <a:t>17-11-22</a:t>
+              <a:t>18-01-22</a:t>
             </a:fld>
             <a:endParaRPr lang="en-US"/>
           </a:p>
@@ -576,7 +576,7 @@
           <a:p>
             <a:fld id="{500A730B-B533-D94D-9B11-FB1E0D62FD7F}" type="datetimeFigureOut">
               <a:rPr lang="en-US" smtClean="0"/>
-              <a:t>17-11-22</a:t>
+              <a:t>18-01-22</a:t>
             </a:fld>
             <a:endParaRPr lang="en-US"/>
           </a:p>
@@ -864,7 +864,7 @@
           <a:p>
             <a:fld id="{500A730B-B533-D94D-9B11-FB1E0D62FD7F}" type="datetimeFigureOut">
               <a:rPr lang="en-US" smtClean="0"/>
-              <a:t>17-11-22</a:t>
+              <a:t>18-01-22</a:t>
             </a:fld>
             <a:endParaRPr lang="en-US"/>
           </a:p>
@@ -1286,7 +1286,7 @@
           <a:p>
             <a:fld id="{500A730B-B533-D94D-9B11-FB1E0D62FD7F}" type="datetimeFigureOut">
               <a:rPr lang="en-US" smtClean="0"/>
-              <a:t>17-11-22</a:t>
+              <a:t>18-01-22</a:t>
             </a:fld>
             <a:endParaRPr lang="en-US"/>
           </a:p>
@@ -1404,7 +1404,7 @@
           <a:p>
             <a:fld id="{500A730B-B533-D94D-9B11-FB1E0D62FD7F}" type="datetimeFigureOut">
               <a:rPr lang="en-US" smtClean="0"/>
-              <a:t>17-11-22</a:t>
+              <a:t>18-01-22</a:t>
             </a:fld>
             <a:endParaRPr lang="en-US"/>
           </a:p>
@@ -1499,7 +1499,7 @@
           <a:p>
             <a:fld id="{500A730B-B533-D94D-9B11-FB1E0D62FD7F}" type="datetimeFigureOut">
               <a:rPr lang="en-US" smtClean="0"/>
-              <a:t>17-11-22</a:t>
+              <a:t>18-01-22</a:t>
             </a:fld>
             <a:endParaRPr lang="en-US"/>
           </a:p>
@@ -1776,7 +1776,7 @@
           <a:p>
             <a:fld id="{500A730B-B533-D94D-9B11-FB1E0D62FD7F}" type="datetimeFigureOut">
               <a:rPr lang="en-US" smtClean="0"/>
-              <a:t>17-11-22</a:t>
+              <a:t>18-01-22</a:t>
             </a:fld>
             <a:endParaRPr lang="en-US"/>
           </a:p>
@@ -2033,7 +2033,7 @@
           <a:p>
             <a:fld id="{500A730B-B533-D94D-9B11-FB1E0D62FD7F}" type="datetimeFigureOut">
               <a:rPr lang="en-US" smtClean="0"/>
-              <a:t>17-11-22</a:t>
+              <a:t>18-01-22</a:t>
             </a:fld>
             <a:endParaRPr lang="en-US"/>
           </a:p>
@@ -2203,7 +2203,7 @@
           <a:p>
             <a:fld id="{500A730B-B533-D94D-9B11-FB1E0D62FD7F}" type="datetimeFigureOut">
               <a:rPr lang="en-US" smtClean="0"/>
-              <a:t>17-11-22</a:t>
+              <a:t>18-01-22</a:t>
             </a:fld>
             <a:endParaRPr lang="en-US"/>
           </a:p>
@@ -2383,7 +2383,7 @@
           <a:p>
             <a:fld id="{500A730B-B533-D94D-9B11-FB1E0D62FD7F}" type="datetimeFigureOut">
               <a:rPr lang="en-US" smtClean="0"/>
-              <a:t>17-11-22</a:t>
+              <a:t>18-01-22</a:t>
             </a:fld>
             <a:endParaRPr lang="en-US"/>
           </a:p>
@@ -3630,7 +3630,7 @@
           <a:p>
             <a:fld id="{500A730B-B533-D94D-9B11-FB1E0D62FD7F}" type="datetimeFigureOut">
               <a:rPr lang="en-US" smtClean="0"/>
-              <a:t>17-11-22</a:t>
+              <a:t>18-01-22</a:t>
             </a:fld>
             <a:endParaRPr lang="en-US"/>
           </a:p>
@@ -5178,7 +5178,7 @@
           <a:p>
             <a:fld id="{500A730B-B533-D94D-9B11-FB1E0D62FD7F}" type="datetimeFigureOut">
               <a:rPr lang="en-US" smtClean="0"/>
-              <a:t>17-11-22</a:t>
+              <a:t>18-01-22</a:t>
             </a:fld>
             <a:endParaRPr lang="en-US"/>
           </a:p>
@@ -5799,7 +5799,11 @@
             <a:pPr algn="ctr"/>
             <a:r>
               <a:rPr lang="en-CA" sz="3600" dirty="0" smtClean="0"/>
-              <a:t>Fine Tuning Cognitive Assessment</a:t>
+              <a:t>Exploring Cognitive </a:t>
+            </a:r>
+            <a:r>
+              <a:rPr lang="en-CA" sz="3600" dirty="0" smtClean="0"/>
+              <a:t>Assessment</a:t>
             </a:r>
             <a:endParaRPr lang="en-CA" sz="3600" dirty="0"/>
           </a:p>
@@ -5840,10 +5844,34 @@
           <a:p>
             <a:pPr algn="ctr"/>
             <a:r>
-              <a:rPr lang="en-CA" sz="2500" dirty="0" smtClean="0"/>
-              <a:t>Sign up today!</a:t>
-            </a:r>
-            <a:endParaRPr lang="en-CA" sz="2500" dirty="0"/>
+              <a:rPr lang="en-CA" sz="2500" b="1" dirty="0" smtClean="0"/>
+              <a:t>Sign up </a:t>
+            </a:r>
+            <a:r>
+              <a:rPr lang="en-CA" sz="2500" b="1" dirty="0" smtClean="0"/>
+              <a:t>today </a:t>
+            </a:r>
+            <a:r>
+              <a:rPr lang="en-CA" sz="2500" b="1" dirty="0" smtClean="0"/>
+              <a:t>with </a:t>
+            </a:r>
+            <a:r>
+              <a:rPr lang="en-CA" sz="2500" b="1" dirty="0" err="1" smtClean="0"/>
+              <a:t>Joash</a:t>
+            </a:r>
+            <a:r>
+              <a:rPr lang="en-CA" sz="2500" b="1" dirty="0" smtClean="0"/>
+              <a:t> in </a:t>
+            </a:r>
+            <a:r>
+              <a:rPr lang="en-CA" sz="2500" b="1" smtClean="0"/>
+              <a:t>Room 237</a:t>
+            </a:r>
+            <a:r>
+              <a:rPr lang="en-CA" sz="2500" b="1" smtClean="0"/>
+              <a:t>!</a:t>
+            </a:r>
+            <a:endParaRPr lang="en-CA" sz="2500" b="1" dirty="0"/>
           </a:p>
         </p:txBody>
       </p:sp>
@@ -5869,8 +5897,8 @@
         </p:blipFill>
         <p:spPr>
           <a:xfrm>
-            <a:off x="2263588" y="2780553"/>
-            <a:ext cx="4826000" cy="2120900"/>
+            <a:off x="766045" y="3199910"/>
+            <a:ext cx="2779051" cy="1221320"/>
           </a:xfrm>
           <a:prstGeom prst="rect">
             <a:avLst/>
@@ -5885,8 +5913,8 @@
         </p:nvSpPr>
         <p:spPr>
           <a:xfrm>
-            <a:off x="1325352" y="5117521"/>
-            <a:ext cx="6932150" cy="861774"/>
+            <a:off x="1387585" y="4889869"/>
+            <a:ext cx="6807698" cy="1246495"/>
           </a:xfrm>
           <a:prstGeom prst="rect">
             <a:avLst/>
@@ -5901,8 +5929,33 @@
             <a:pPr algn="ctr"/>
             <a:r>
               <a:rPr lang="en-CA" sz="2500" dirty="0" smtClean="0"/>
-              <a:t>Visit our website and get familiar with our tasks!</a:t>
-            </a:r>
+              <a:t>Visit </a:t>
+            </a:r>
+            <a:r>
+              <a:rPr lang="en-CA" sz="2500" dirty="0" smtClean="0"/>
+              <a:t>the website </a:t>
+            </a:r>
+            <a:r>
+              <a:rPr lang="en-CA" sz="2500" dirty="0" smtClean="0"/>
+              <a:t>and get familiar with </a:t>
+            </a:r>
+            <a:r>
+              <a:rPr lang="en-CA" sz="2500" dirty="0" smtClean="0"/>
+              <a:t>the tasks</a:t>
+            </a:r>
+            <a:r>
+              <a:rPr lang="en-CA" sz="2500" dirty="0"/>
+              <a:t> </a:t>
+            </a:r>
+            <a:endParaRPr lang="en-CA" sz="2500" dirty="0" smtClean="0"/>
+          </a:p>
+          <a:p>
+            <a:pPr algn="ctr"/>
+            <a:r>
+              <a:rPr lang="en-CA" sz="2500" dirty="0" smtClean="0"/>
+              <a:t>before participating!</a:t>
+            </a:r>
+            <a:endParaRPr lang="en-CA" sz="2500" dirty="0" smtClean="0"/>
           </a:p>
           <a:p>
             <a:pPr algn="ctr"/>
@@ -5914,6 +5967,30 @@
           </a:p>
         </p:txBody>
       </p:sp>
+      <p:pic>
+        <p:nvPicPr>
+          <p:cNvPr id="3" name="Picture 2"/>
+          <p:cNvPicPr>
+            <a:picLocks noChangeAspect="1"/>
+          </p:cNvPicPr>
+          <p:nvPr/>
+        </p:nvPicPr>
+        <p:blipFill>
+          <a:blip r:embed="rId3"/>
+          <a:stretch>
+            <a:fillRect/>
+          </a:stretch>
+        </p:blipFill>
+        <p:spPr>
+          <a:xfrm>
+            <a:off x="4586812" y="3008874"/>
+            <a:ext cx="4176618" cy="1412356"/>
+          </a:xfrm>
+          <a:prstGeom prst="rect">
+            <a:avLst/>
+          </a:prstGeom>
+        </p:spPr>
+      </p:pic>
     </p:spTree>
     <p:extLst>
       <p:ext uri="{BB962C8B-B14F-4D97-AF65-F5344CB8AC3E}">
